--- a/slides/00_Agenda.pptx
+++ b/slides/00_Agenda.pptx
@@ -253,7 +253,7 @@
             <a:fld id="{1F159BB1-CC1D-4F4F-ACA8-3A235456BEA3}" type="datetimeFigureOut">
               <a:rPr lang="de-DE" smtClean="0"/>
               <a:pPr/>
-              <a:t>19.08.2014</a:t>
+              <a:t>20.08.2014</a:t>
             </a:fld>
             <a:endParaRPr lang="de-CH"/>
           </a:p>
@@ -4548,7 +4548,7 @@
           <p:nvPr>
             <p:extLst>
               <p:ext uri="{D42A27DB-BD31-4B8C-83A1-F6EECF244321}">
-                <p14:modId xmlns:p14="http://schemas.microsoft.com/office/powerpoint/2010/main" val="1114377483"/>
+                <p14:modId xmlns:p14="http://schemas.microsoft.com/office/powerpoint/2010/main" val="3934071152"/>
               </p:ext>
             </p:extLst>
           </p:nvPr>
@@ -5088,12 +5088,24 @@
                         </a:spcAft>
                       </a:pPr>
                       <a:r>
-                        <a:rPr lang="de-CH" sz="1600">
+                        <a:rPr lang="de-CH" sz="1600" dirty="0">
                           <a:effectLst/>
                         </a:rPr>
-                        <a:t>Azure Cloud Services</a:t>
+                        <a:t>Azure </a:t>
                       </a:r>
-                      <a:endParaRPr lang="de-CH" sz="1600">
+                      <a:r>
+                        <a:rPr lang="de-CH" sz="1600" dirty="0" smtClean="0">
+                          <a:effectLst/>
+                        </a:rPr>
+                        <a:t>Worker-</a:t>
+                      </a:r>
+                      <a:r>
+                        <a:rPr lang="de-CH" sz="1600" dirty="0" err="1" smtClean="0">
+                          <a:effectLst/>
+                        </a:rPr>
+                        <a:t>Roles</a:t>
+                      </a:r>
+                      <a:endParaRPr lang="de-CH" sz="1600" dirty="0">
                         <a:effectLst/>
                         <a:latin typeface="Calibri" panose="020F0502020204030204" pitchFamily="34" charset="0"/>
                         <a:ea typeface="Calibri" panose="020F0502020204030204" pitchFamily="34" charset="0"/>
@@ -5579,14 +5591,14 @@
           <p:nvPr>
             <p:extLst>
               <p:ext uri="{D42A27DB-BD31-4B8C-83A1-F6EECF244321}">
-                <p14:modId xmlns:p14="http://schemas.microsoft.com/office/powerpoint/2010/main" val="759853525"/>
+                <p14:modId xmlns:p14="http://schemas.microsoft.com/office/powerpoint/2010/main" val="462768746"/>
               </p:ext>
             </p:extLst>
           </p:nvPr>
         </p:nvGraphicFramePr>
         <p:xfrm>
           <a:off x="790574" y="1292092"/>
-          <a:ext cx="6854410" cy="3621096"/>
+          <a:ext cx="6854410" cy="3922854"/>
         </p:xfrm>
         <a:graphic>
           <a:graphicData uri="http://schemas.openxmlformats.org/drawingml/2006/table">
@@ -5723,7 +5735,7 @@
                         <a:rPr lang="en-US" sz="1600" dirty="0" smtClean="0">
                           <a:effectLst/>
                         </a:rPr>
-                        <a:t>Scheduler</a:t>
+                        <a:t>Azure API Management</a:t>
                       </a:r>
                       <a:endParaRPr lang="de-CH" sz="1600" dirty="0">
                         <a:effectLst/>
@@ -5808,7 +5820,13 @@
                         <a:rPr lang="en-US" sz="1600" dirty="0" smtClean="0">
                           <a:effectLst/>
                         </a:rPr>
-                        <a:t>11:00 – </a:t>
+                        <a:t>10:45 </a:t>
+                      </a:r>
+                      <a:r>
+                        <a:rPr lang="en-US" sz="1600" dirty="0" smtClean="0">
+                          <a:effectLst/>
+                        </a:rPr>
+                        <a:t>– </a:t>
                       </a:r>
                       <a:r>
                         <a:rPr lang="en-US" sz="1600" dirty="0">
@@ -6087,6 +6105,81 @@
                         <a:rPr lang="en-US" sz="1600" dirty="0" smtClean="0">
                           <a:effectLst/>
                         </a:rPr>
+                        <a:t>14:15</a:t>
+                      </a:r>
+                      <a:endParaRPr lang="de-CH" sz="1600" dirty="0">
+                        <a:effectLst/>
+                        <a:latin typeface="Calibri" panose="020F0502020204030204" pitchFamily="34" charset="0"/>
+                        <a:ea typeface="Calibri" panose="020F0502020204030204" pitchFamily="34" charset="0"/>
+                        <a:cs typeface="Times New Roman" panose="02020603050405020304" pitchFamily="18" charset="0"/>
+                      </a:endParaRPr>
+                    </a:p>
+                  </a:txBody>
+                  <a:tcPr marL="68580" marR="68580" marT="0" marB="0"/>
+                </a:tc>
+                <a:tc>
+                  <a:txBody>
+                    <a:bodyPr/>
+                    <a:lstStyle/>
+                    <a:p>
+                      <a:pPr>
+                        <a:lnSpc>
+                          <a:spcPct val="107000"/>
+                        </a:lnSpc>
+                        <a:spcAft>
+                          <a:spcPts val="0"/>
+                        </a:spcAft>
+                      </a:pPr>
+                      <a:r>
+                        <a:rPr lang="de-CH" sz="1600" dirty="0" smtClean="0">
+                          <a:effectLst/>
+                          <a:latin typeface="Calibri" panose="020F0502020204030204" pitchFamily="34" charset="0"/>
+                          <a:ea typeface="Calibri" panose="020F0502020204030204" pitchFamily="34" charset="0"/>
+                          <a:cs typeface="Times New Roman" panose="02020603050405020304" pitchFamily="18" charset="0"/>
+                        </a:rPr>
+                        <a:t>Scheduler</a:t>
+                      </a:r>
+                      <a:endParaRPr lang="de-CH" sz="1600" dirty="0">
+                        <a:effectLst/>
+                        <a:latin typeface="Calibri" panose="020F0502020204030204" pitchFamily="34" charset="0"/>
+                        <a:ea typeface="Calibri" panose="020F0502020204030204" pitchFamily="34" charset="0"/>
+                        <a:cs typeface="Times New Roman" panose="02020603050405020304" pitchFamily="18" charset="0"/>
+                      </a:endParaRPr>
+                    </a:p>
+                  </a:txBody>
+                  <a:tcPr marL="68580" marR="68580" marT="0" marB="0"/>
+                </a:tc>
+              </a:tr>
+              <a:tr h="301758">
+                <a:tc>
+                  <a:txBody>
+                    <a:bodyPr/>
+                    <a:lstStyle/>
+                    <a:p>
+                      <a:pPr>
+                        <a:lnSpc>
+                          <a:spcPct val="107000"/>
+                        </a:lnSpc>
+                        <a:spcAft>
+                          <a:spcPts val="0"/>
+                        </a:spcAft>
+                      </a:pPr>
+                      <a:r>
+                        <a:rPr lang="en-US" sz="1600" dirty="0" smtClean="0">
+                          <a:effectLst/>
+                        </a:rPr>
+                        <a:t>14:15 </a:t>
+                      </a:r>
+                      <a:r>
+                        <a:rPr lang="en-US" sz="1600" dirty="0">
+                          <a:effectLst/>
+                        </a:rPr>
+                        <a:t>– </a:t>
+                      </a:r>
+                      <a:r>
+                        <a:rPr lang="en-US" sz="1600" dirty="0" smtClean="0">
+                          <a:effectLst/>
+                        </a:rPr>
                         <a:t>14:30</a:t>
                       </a:r>
                       <a:endParaRPr lang="de-CH" sz="1600" dirty="0">
@@ -6117,84 +6210,6 @@
                           <a:effectLst/>
                         </a:rPr>
                         <a:t>Traffic Manager</a:t>
-                      </a:r>
-                      <a:endParaRPr lang="de-CH" sz="1600" dirty="0">
-                        <a:effectLst/>
-                        <a:latin typeface="Calibri" panose="020F0502020204030204" pitchFamily="34" charset="0"/>
-                        <a:ea typeface="Calibri" panose="020F0502020204030204" pitchFamily="34" charset="0"/>
-                        <a:cs typeface="Times New Roman" panose="02020603050405020304" pitchFamily="18" charset="0"/>
-                      </a:endParaRPr>
-                    </a:p>
-                  </a:txBody>
-                  <a:tcPr marL="68580" marR="68580" marT="0" marB="0"/>
-                </a:tc>
-              </a:tr>
-              <a:tr h="301758">
-                <a:tc>
-                  <a:txBody>
-                    <a:bodyPr/>
-                    <a:lstStyle/>
-                    <a:p>
-                      <a:pPr>
-                        <a:lnSpc>
-                          <a:spcPct val="107000"/>
-                        </a:lnSpc>
-                        <a:spcAft>
-                          <a:spcPts val="0"/>
-                        </a:spcAft>
-                      </a:pPr>
-                      <a:r>
-                        <a:rPr lang="en-US" sz="1600" dirty="0" smtClean="0">
-                          <a:effectLst/>
-                        </a:rPr>
-                        <a:t>14:30 </a:t>
-                      </a:r>
-                      <a:r>
-                        <a:rPr lang="en-US" sz="1600" dirty="0">
-                          <a:effectLst/>
-                        </a:rPr>
-                        <a:t>– </a:t>
-                      </a:r>
-                      <a:r>
-                        <a:rPr lang="en-US" sz="1600" dirty="0" smtClean="0">
-                          <a:effectLst/>
-                        </a:rPr>
-                        <a:t>15:30</a:t>
-                      </a:r>
-                      <a:endParaRPr lang="de-CH" sz="1600" dirty="0">
-                        <a:effectLst/>
-                        <a:latin typeface="Calibri" panose="020F0502020204030204" pitchFamily="34" charset="0"/>
-                        <a:ea typeface="Calibri" panose="020F0502020204030204" pitchFamily="34" charset="0"/>
-                        <a:cs typeface="Times New Roman" panose="02020603050405020304" pitchFamily="18" charset="0"/>
-                      </a:endParaRPr>
-                    </a:p>
-                  </a:txBody>
-                  <a:tcPr marL="68580" marR="68580" marT="0" marB="0"/>
-                </a:tc>
-                <a:tc>
-                  <a:txBody>
-                    <a:bodyPr/>
-                    <a:lstStyle/>
-                    <a:p>
-                      <a:pPr>
-                        <a:lnSpc>
-                          <a:spcPct val="107000"/>
-                        </a:lnSpc>
-                        <a:spcAft>
-                          <a:spcPts val="0"/>
-                        </a:spcAft>
-                      </a:pPr>
-                      <a:r>
-                        <a:rPr lang="en-US" sz="1600">
-                          <a:effectLst/>
-                        </a:rPr>
-                        <a:t>Lab </a:t>
-                      </a:r>
-                      <a:r>
-                        <a:rPr lang="en-US" sz="1600" smtClean="0">
-                          <a:effectLst/>
-                        </a:rPr>
-                        <a:t>6</a:t>
                       </a:r>
                       <a:endParaRPr lang="de-CH" sz="1600" dirty="0">
                         <a:effectLst/>
@@ -6279,10 +6294,94 @@
                         </a:spcAft>
                       </a:pPr>
                       <a:r>
+                        <a:rPr lang="de-CH" sz="1600" dirty="0" smtClean="0">
+                          <a:effectLst/>
+                          <a:latin typeface="Calibri" panose="020F0502020204030204" pitchFamily="34" charset="0"/>
+                          <a:ea typeface="Calibri" panose="020F0502020204030204" pitchFamily="34" charset="0"/>
+                          <a:cs typeface="Times New Roman" panose="02020603050405020304" pitchFamily="18" charset="0"/>
+                        </a:rPr>
+                        <a:t>14:45 – 15:30</a:t>
+                      </a:r>
+                      <a:endParaRPr lang="de-CH" sz="1600" dirty="0">
+                        <a:effectLst/>
+                        <a:latin typeface="Calibri" panose="020F0502020204030204" pitchFamily="34" charset="0"/>
+                        <a:ea typeface="Calibri" panose="020F0502020204030204" pitchFamily="34" charset="0"/>
+                        <a:cs typeface="Times New Roman" panose="02020603050405020304" pitchFamily="18" charset="0"/>
+                      </a:endParaRPr>
+                    </a:p>
+                  </a:txBody>
+                  <a:tcPr marL="68580" marR="68580" marT="0" marB="0"/>
+                </a:tc>
+                <a:tc>
+                  <a:txBody>
+                    <a:bodyPr/>
+                    <a:lstStyle/>
+                    <a:p>
+                      <a:pPr>
+                        <a:lnSpc>
+                          <a:spcPct val="107000"/>
+                        </a:lnSpc>
+                        <a:spcAft>
+                          <a:spcPts val="0"/>
+                        </a:spcAft>
+                      </a:pPr>
+                      <a:r>
+                        <a:rPr lang="de-CH" sz="1600" dirty="0" smtClean="0">
+                          <a:effectLst/>
+                          <a:latin typeface="Calibri" panose="020F0502020204030204" pitchFamily="34" charset="0"/>
+                          <a:ea typeface="Calibri" panose="020F0502020204030204" pitchFamily="34" charset="0"/>
+                          <a:cs typeface="Times New Roman" panose="02020603050405020304" pitchFamily="18" charset="0"/>
+                        </a:rPr>
+                        <a:t>Lab 6 /</a:t>
+                      </a:r>
+                      <a:r>
+                        <a:rPr lang="de-CH" sz="1600" baseline="0" dirty="0" smtClean="0">
+                          <a:effectLst/>
+                          <a:latin typeface="Calibri" panose="020F0502020204030204" pitchFamily="34" charset="0"/>
+                          <a:ea typeface="Calibri" panose="020F0502020204030204" pitchFamily="34" charset="0"/>
+                          <a:cs typeface="Times New Roman" panose="02020603050405020304" pitchFamily="18" charset="0"/>
+                        </a:rPr>
+                        <a:t> Lab</a:t>
+                      </a:r>
+                      <a:r>
+                        <a:rPr lang="de-CH" sz="1600" dirty="0" smtClean="0">
+                          <a:effectLst/>
+                          <a:latin typeface="Calibri" panose="020F0502020204030204" pitchFamily="34" charset="0"/>
+                          <a:ea typeface="Calibri" panose="020F0502020204030204" pitchFamily="34" charset="0"/>
+                          <a:cs typeface="Times New Roman" panose="02020603050405020304" pitchFamily="18" charset="0"/>
+                        </a:rPr>
+                        <a:t> 7</a:t>
+                      </a:r>
+                      <a:endParaRPr lang="de-CH" sz="1600" dirty="0">
+                        <a:effectLst/>
+                        <a:latin typeface="Calibri" panose="020F0502020204030204" pitchFamily="34" charset="0"/>
+                        <a:ea typeface="Calibri" panose="020F0502020204030204" pitchFamily="34" charset="0"/>
+                        <a:cs typeface="Times New Roman" panose="02020603050405020304" pitchFamily="18" charset="0"/>
+                      </a:endParaRPr>
+                    </a:p>
+                  </a:txBody>
+                  <a:tcPr marL="68580" marR="68580" marT="0" marB="0"/>
+                </a:tc>
+              </a:tr>
+              <a:tr h="301758">
+                <a:tc>
+                  <a:txBody>
+                    <a:bodyPr/>
+                    <a:lstStyle/>
+                    <a:p>
+                      <a:pPr>
+                        <a:lnSpc>
+                          <a:spcPct val="107000"/>
+                        </a:lnSpc>
+                        <a:spcAft>
+                          <a:spcPts val="0"/>
+                        </a:spcAft>
+                      </a:pPr>
+                      <a:r>
                         <a:rPr lang="en-US" sz="1600" dirty="0" smtClean="0">
                           <a:effectLst/>
                         </a:rPr>
-                        <a:t>15:45 </a:t>
+                        <a:t>15:30 </a:t>
                       </a:r>
                       <a:r>
                         <a:rPr lang="en-US" sz="1600" dirty="0">
@@ -6314,12 +6413,12 @@
                         </a:spcAft>
                       </a:pPr>
                       <a:r>
-                        <a:rPr lang="en-US" sz="1600">
+                        <a:rPr lang="en-US" sz="1600" dirty="0" err="1">
                           <a:effectLst/>
                         </a:rPr>
                         <a:t>Fallstudie</a:t>
                       </a:r>
-                      <a:endParaRPr lang="de-CH" sz="1600">
+                      <a:endParaRPr lang="de-CH" sz="1600" dirty="0">
                         <a:effectLst/>
                         <a:latin typeface="Calibri" panose="020F0502020204030204" pitchFamily="34" charset="0"/>
                         <a:ea typeface="Calibri" panose="020F0502020204030204" pitchFamily="34" charset="0"/>
